--- a/文件製作/專案檔/系統架構圖.pptx
+++ b/文件製作/專案檔/系統架構圖.pptx
@@ -198,7 +198,7 @@
           <a:p>
             <a:fld id="{4B61E2BB-A9C8-4525-AD2F-4334D79E4386}" type="datetimeFigureOut">
               <a:rPr lang="zh-TW" altLang="en-US" smtClean="0"/>
-              <a:t>2024/5/28</a:t>
+              <a:t>2024/10/11</a:t>
             </a:fld>
             <a:endParaRPr lang="zh-TW" altLang="en-US"/>
           </a:p>
@@ -696,7 +696,7 @@
           <a:p>
             <a:fld id="{C39BAFC9-A2F2-4352-8A5B-EAF55E7BD197}" type="datetimeFigureOut">
               <a:rPr lang="zh-TW" altLang="en-US" smtClean="0"/>
-              <a:t>2024/5/28</a:t>
+              <a:t>2024/10/11</a:t>
             </a:fld>
             <a:endParaRPr lang="zh-TW" altLang="en-US"/>
           </a:p>
@@ -894,7 +894,7 @@
           <a:p>
             <a:fld id="{C39BAFC9-A2F2-4352-8A5B-EAF55E7BD197}" type="datetimeFigureOut">
               <a:rPr lang="zh-TW" altLang="en-US" smtClean="0"/>
-              <a:t>2024/5/28</a:t>
+              <a:t>2024/10/11</a:t>
             </a:fld>
             <a:endParaRPr lang="zh-TW" altLang="en-US"/>
           </a:p>
@@ -1102,7 +1102,7 @@
           <a:p>
             <a:fld id="{C39BAFC9-A2F2-4352-8A5B-EAF55E7BD197}" type="datetimeFigureOut">
               <a:rPr lang="zh-TW" altLang="en-US" smtClean="0"/>
-              <a:t>2024/5/28</a:t>
+              <a:t>2024/10/11</a:t>
             </a:fld>
             <a:endParaRPr lang="zh-TW" altLang="en-US"/>
           </a:p>
@@ -1300,7 +1300,7 @@
           <a:p>
             <a:fld id="{C39BAFC9-A2F2-4352-8A5B-EAF55E7BD197}" type="datetimeFigureOut">
               <a:rPr lang="zh-TW" altLang="en-US" smtClean="0"/>
-              <a:t>2024/5/28</a:t>
+              <a:t>2024/10/11</a:t>
             </a:fld>
             <a:endParaRPr lang="zh-TW" altLang="en-US"/>
           </a:p>
@@ -1575,7 +1575,7 @@
           <a:p>
             <a:fld id="{C39BAFC9-A2F2-4352-8A5B-EAF55E7BD197}" type="datetimeFigureOut">
               <a:rPr lang="zh-TW" altLang="en-US" smtClean="0"/>
-              <a:t>2024/5/28</a:t>
+              <a:t>2024/10/11</a:t>
             </a:fld>
             <a:endParaRPr lang="zh-TW" altLang="en-US"/>
           </a:p>
@@ -1840,7 +1840,7 @@
           <a:p>
             <a:fld id="{C39BAFC9-A2F2-4352-8A5B-EAF55E7BD197}" type="datetimeFigureOut">
               <a:rPr lang="zh-TW" altLang="en-US" smtClean="0"/>
-              <a:t>2024/5/28</a:t>
+              <a:t>2024/10/11</a:t>
             </a:fld>
             <a:endParaRPr lang="zh-TW" altLang="en-US"/>
           </a:p>
@@ -2252,7 +2252,7 @@
           <a:p>
             <a:fld id="{C39BAFC9-A2F2-4352-8A5B-EAF55E7BD197}" type="datetimeFigureOut">
               <a:rPr lang="zh-TW" altLang="en-US" smtClean="0"/>
-              <a:t>2024/5/28</a:t>
+              <a:t>2024/10/11</a:t>
             </a:fld>
             <a:endParaRPr lang="zh-TW" altLang="en-US"/>
           </a:p>
@@ -2393,7 +2393,7 @@
           <a:p>
             <a:fld id="{C39BAFC9-A2F2-4352-8A5B-EAF55E7BD197}" type="datetimeFigureOut">
               <a:rPr lang="zh-TW" altLang="en-US" smtClean="0"/>
-              <a:t>2024/5/28</a:t>
+              <a:t>2024/10/11</a:t>
             </a:fld>
             <a:endParaRPr lang="zh-TW" altLang="en-US"/>
           </a:p>
@@ -2506,7 +2506,7 @@
           <a:p>
             <a:fld id="{C39BAFC9-A2F2-4352-8A5B-EAF55E7BD197}" type="datetimeFigureOut">
               <a:rPr lang="zh-TW" altLang="en-US" smtClean="0"/>
-              <a:t>2024/5/28</a:t>
+              <a:t>2024/10/11</a:t>
             </a:fld>
             <a:endParaRPr lang="zh-TW" altLang="en-US"/>
           </a:p>
@@ -2817,7 +2817,7 @@
           <a:p>
             <a:fld id="{C39BAFC9-A2F2-4352-8A5B-EAF55E7BD197}" type="datetimeFigureOut">
               <a:rPr lang="zh-TW" altLang="en-US" smtClean="0"/>
-              <a:t>2024/5/28</a:t>
+              <a:t>2024/10/11</a:t>
             </a:fld>
             <a:endParaRPr lang="zh-TW" altLang="en-US"/>
           </a:p>
@@ -3105,7 +3105,7 @@
           <a:p>
             <a:fld id="{C39BAFC9-A2F2-4352-8A5B-EAF55E7BD197}" type="datetimeFigureOut">
               <a:rPr lang="zh-TW" altLang="en-US" smtClean="0"/>
-              <a:t>2024/5/28</a:t>
+              <a:t>2024/10/11</a:t>
             </a:fld>
             <a:endParaRPr lang="zh-TW" altLang="en-US"/>
           </a:p>
@@ -3346,7 +3346,7 @@
           <a:p>
             <a:fld id="{C39BAFC9-A2F2-4352-8A5B-EAF55E7BD197}" type="datetimeFigureOut">
               <a:rPr lang="zh-TW" altLang="en-US" smtClean="0"/>
-              <a:t>2024/5/28</a:t>
+              <a:t>2024/10/11</a:t>
             </a:fld>
             <a:endParaRPr lang="zh-TW" altLang="en-US"/>
           </a:p>
@@ -4435,8 +4435,8 @@
         </p:nvSpPr>
         <p:spPr>
           <a:xfrm>
-            <a:off x="1411794" y="1249582"/>
-            <a:ext cx="4679658" cy="369332"/>
+            <a:off x="1411793" y="1249582"/>
+            <a:ext cx="5657601" cy="369332"/>
           </a:xfrm>
           <a:prstGeom prst="rect">
             <a:avLst/>
@@ -5110,18 +5110,7 @@
                   <a:latin typeface="微軟正黑體" panose="020B0604030504040204" pitchFamily="34" charset="-120"/>
                   <a:ea typeface="微軟正黑體" panose="020B0604030504040204" pitchFamily="34" charset="-120"/>
                 </a:rPr>
-                <a:t>資料爬蟲與</a:t>
-              </a:r>
-              <a:r>
-                <a:rPr lang="zh-TW" altLang="en-US" b="1" i="0" dirty="0">
-                  <a:solidFill>
-                    <a:srgbClr val="0070C0"/>
-                  </a:solidFill>
-                  <a:effectLst/>
-                  <a:latin typeface="微軟正黑體" panose="020B0604030504040204" pitchFamily="34" charset="-120"/>
-                  <a:ea typeface="微軟正黑體" panose="020B0604030504040204" pitchFamily="34" charset="-120"/>
-                </a:rPr>
-                <a:t>處理</a:t>
+                <a:t>資料爬蟲與文本情感分析</a:t>
               </a:r>
               <a:endParaRPr lang="en-US" altLang="zh-TW" b="1" i="0" dirty="0">
                 <a:solidFill>
@@ -5458,103 +5447,43 @@
             </p:spPr>
           </p:pic>
         </p:grpSp>
-        <p:grpSp>
-          <p:nvGrpSpPr>
-            <p:cNvPr id="19" name="群組 18">
+        <p:sp>
+          <p:nvSpPr>
+            <p:cNvPr id="20" name="文字方塊 19">
               <a:extLst>
                 <a:ext uri="{FF2B5EF4-FFF2-40B4-BE49-F238E27FC236}">
-                  <a16:creationId xmlns:a16="http://schemas.microsoft.com/office/drawing/2014/main" id="{5C15A47D-F90F-3910-16E5-3F8CA7027880}"/>
+                  <a16:creationId xmlns:a16="http://schemas.microsoft.com/office/drawing/2014/main" id="{D8B65A1F-6F77-2179-40B0-0484909FA0AF}"/>
                 </a:ext>
               </a:extLst>
             </p:cNvPr>
-            <p:cNvGrpSpPr/>
+            <p:cNvSpPr txBox="1"/>
             <p:nvPr/>
-          </p:nvGrpSpPr>
-          <p:grpSpPr>
+          </p:nvSpPr>
+          <p:spPr>
             <a:xfrm>
-              <a:off x="8535931" y="4085194"/>
-              <a:ext cx="720000" cy="1067103"/>
-              <a:chOff x="986933" y="3673672"/>
-              <a:chExt cx="720000" cy="1067103"/>
+              <a:off x="8561546" y="4782965"/>
+              <a:ext cx="668773" cy="369332"/>
             </a:xfrm>
-          </p:grpSpPr>
-          <p:sp>
-            <p:nvSpPr>
-              <p:cNvPr id="20" name="文字方塊 19">
-                <a:extLst>
-                  <a:ext uri="{FF2B5EF4-FFF2-40B4-BE49-F238E27FC236}">
-                    <a16:creationId xmlns:a16="http://schemas.microsoft.com/office/drawing/2014/main" id="{D8B65A1F-6F77-2179-40B0-0484909FA0AF}"/>
-                  </a:ext>
-                </a:extLst>
-              </p:cNvPr>
-              <p:cNvSpPr txBox="1"/>
-              <p:nvPr/>
-            </p:nvSpPr>
-            <p:spPr>
-              <a:xfrm>
-                <a:off x="1001326" y="4371443"/>
-                <a:ext cx="691216" cy="369332"/>
-              </a:xfrm>
-              <a:prstGeom prst="rect">
-                <a:avLst/>
-              </a:prstGeom>
-              <a:noFill/>
-            </p:spPr>
-            <p:txBody>
-              <a:bodyPr wrap="none">
-                <a:spAutoFit/>
-              </a:bodyPr>
-              <a:lstStyle/>
-              <a:p>
-                <a:pPr algn="ctr"/>
-                <a:r>
-                  <a:rPr lang="en-US" altLang="zh-TW" dirty="0"/>
-                  <a:t>Jieba</a:t>
-                </a:r>
-                <a:endParaRPr lang="zh-TW" altLang="en-US" dirty="0"/>
-              </a:p>
-            </p:txBody>
-          </p:sp>
-          <p:pic>
-            <p:nvPicPr>
-              <p:cNvPr id="26" name="Picture 2">
-                <a:extLst>
-                  <a:ext uri="{FF2B5EF4-FFF2-40B4-BE49-F238E27FC236}">
-                    <a16:creationId xmlns:a16="http://schemas.microsoft.com/office/drawing/2014/main" id="{A905D28F-92E3-5394-F88B-0567E6BBB520}"/>
-                  </a:ext>
-                </a:extLst>
-              </p:cNvPr>
-              <p:cNvPicPr>
-                <a:picLocks noChangeAspect="1" noChangeArrowheads="1"/>
-              </p:cNvPicPr>
-              <p:nvPr/>
-            </p:nvPicPr>
-            <p:blipFill>
-              <a:blip r:embed="rId13">
-                <a:extLst>
-                  <a:ext uri="{28A0092B-C50C-407E-A947-70E740481C1C}">
-                    <a14:useLocalDpi xmlns:a14="http://schemas.microsoft.com/office/drawing/2010/main" val="0"/>
-                  </a:ext>
-                  <a:ext uri="{96DAC541-7B7A-43D3-8B79-37D633B846F1}">
-                    <asvg:svgBlip xmlns:asvg="http://schemas.microsoft.com/office/drawing/2016/SVG/main" r:embed="rId14"/>
-                  </a:ext>
-                </a:extLst>
-              </a:blip>
-              <a:srcRect/>
-              <a:stretch/>
-            </p:blipFill>
-            <p:spPr bwMode="auto">
-              <a:xfrm>
-                <a:off x="986933" y="3673672"/>
-                <a:ext cx="720000" cy="720000"/>
-              </a:xfrm>
-              <a:prstGeom prst="rect">
-                <a:avLst/>
-              </a:prstGeom>
-              <a:noFill/>
-            </p:spPr>
-          </p:pic>
-        </p:grpSp>
+            <a:prstGeom prst="rect">
+              <a:avLst/>
+            </a:prstGeom>
+            <a:noFill/>
+          </p:spPr>
+          <p:txBody>
+            <a:bodyPr wrap="none">
+              <a:spAutoFit/>
+            </a:bodyPr>
+            <a:lstStyle/>
+            <a:p>
+              <a:pPr algn="ctr"/>
+              <a:r>
+                <a:rPr lang="en-US" altLang="zh-TW" dirty="0"/>
+                <a:t>CKIP</a:t>
+              </a:r>
+              <a:endParaRPr lang="zh-TW" altLang="en-US" dirty="0"/>
+            </a:p>
+          </p:txBody>
+        </p:sp>
       </p:grpSp>
       <p:cxnSp>
         <p:nvCxnSpPr>
@@ -5814,7 +5743,7 @@
             <p:nvPr/>
           </p:nvPicPr>
           <p:blipFill>
-            <a:blip r:embed="rId15">
+            <a:blip r:embed="rId13">
               <a:extLst>
                 <a:ext uri="{28A0092B-C50C-407E-A947-70E740481C1C}">
                   <a14:useLocalDpi xmlns:a14="http://schemas.microsoft.com/office/drawing/2010/main" val="0"/>
@@ -5929,6 +5858,42 @@
           </a:fontRef>
         </p:style>
       </p:cxnSp>
+      <p:pic>
+        <p:nvPicPr>
+          <p:cNvPr id="3" name="圖形 2">
+            <a:extLst>
+              <a:ext uri="{FF2B5EF4-FFF2-40B4-BE49-F238E27FC236}">
+                <a16:creationId xmlns:a16="http://schemas.microsoft.com/office/drawing/2014/main" id="{801700E3-675B-201B-465F-802DB6020D10}"/>
+              </a:ext>
+            </a:extLst>
+          </p:cNvPr>
+          <p:cNvPicPr>
+            <a:picLocks noChangeAspect="1"/>
+          </p:cNvPicPr>
+          <p:nvPr/>
+        </p:nvPicPr>
+        <p:blipFill>
+          <a:blip r:embed="rId14">
+            <a:extLst>
+              <a:ext uri="{96DAC541-7B7A-43D3-8B79-37D633B846F1}">
+                <asvg:svgBlip xmlns:asvg="http://schemas.microsoft.com/office/drawing/2016/SVG/main" r:embed="rId15"/>
+              </a:ext>
+            </a:extLst>
+          </a:blip>
+          <a:stretch>
+            <a:fillRect/>
+          </a:stretch>
+        </p:blipFill>
+        <p:spPr>
+          <a:xfrm>
+            <a:off x="9676306" y="4207254"/>
+            <a:ext cx="475882" cy="475882"/>
+          </a:xfrm>
+          <a:prstGeom prst="rect">
+            <a:avLst/>
+          </a:prstGeom>
+        </p:spPr>
+      </p:pic>
     </p:spTree>
     <p:extLst>
       <p:ext uri="{BB962C8B-B14F-4D97-AF65-F5344CB8AC3E}">
